--- a/streamlit_dashboard/data/energy_template.pptx
+++ b/streamlit_dashboard/data/energy_template.pptx
@@ -280,7 +280,7 @@
           <a:p>
             <a:fld id="{7B90D703-B8C7-4C10-BBB1-D96CDD7DD37B}" type="datetimeFigureOut">
               <a:rPr lang="en-US" smtClean="0"/>
-              <a:t>12/18/2024</a:t>
+              <a:t>12/23/2024</a:t>
             </a:fld>
             <a:endParaRPr lang="en-US"/>
           </a:p>
@@ -478,7 +478,7 @@
             <a:fld id="{D5D7A4CE-D03C-4857-BF0C-1D17DFBD6B6A}" type="datetimeFigureOut">
               <a:rPr lang="en-US" smtClean="0"/>
               <a:pPr/>
-              <a:t>12/18/2024</a:t>
+              <a:t>12/23/2024</a:t>
             </a:fld>
             <a:endParaRPr lang="en-US"/>
           </a:p>
@@ -5608,8 +5608,8 @@
         </p:nvSpPr>
         <p:spPr>
           <a:xfrm>
-            <a:off x="116896" y="894525"/>
-            <a:ext cx="5899111" cy="307777"/>
+            <a:off x="182880" y="914400"/>
+            <a:ext cx="5715000" cy="274320"/>
           </a:xfrm>
           <a:prstGeom prst="rect">
             <a:avLst/>
@@ -5761,8 +5761,8 @@
         </p:nvSpPr>
         <p:spPr>
           <a:xfrm>
-            <a:off x="6096000" y="894525"/>
-            <a:ext cx="5899111" cy="307777"/>
+            <a:off x="6080760" y="914400"/>
+            <a:ext cx="5715000" cy="274320"/>
           </a:xfrm>
           <a:prstGeom prst="rect">
             <a:avLst/>
@@ -5803,8 +5803,8 @@
         </p:nvSpPr>
         <p:spPr>
           <a:xfrm>
-            <a:off x="116896" y="3493077"/>
-            <a:ext cx="5899111" cy="307777"/>
+            <a:off x="182880" y="3480934"/>
+            <a:ext cx="5715000" cy="274320"/>
           </a:xfrm>
           <a:prstGeom prst="rect">
             <a:avLst/>
@@ -5918,8 +5918,8 @@
         </p:nvSpPr>
         <p:spPr>
           <a:xfrm>
-            <a:off x="6130954" y="828533"/>
-            <a:ext cx="5897880" cy="310896"/>
+            <a:off x="6130954" y="914400"/>
+            <a:ext cx="5715000" cy="274320"/>
           </a:xfrm>
           <a:prstGeom prst="rect">
             <a:avLst/>
@@ -5967,8 +5967,8 @@
         </p:nvSpPr>
         <p:spPr>
           <a:xfrm>
-            <a:off x="116897" y="831652"/>
-            <a:ext cx="5899111" cy="307777"/>
+            <a:off x="182880" y="914400"/>
+            <a:ext cx="5715000" cy="274320"/>
           </a:xfrm>
           <a:prstGeom prst="rect">
             <a:avLst/>
@@ -6120,8 +6120,8 @@
         </p:nvSpPr>
         <p:spPr>
           <a:xfrm>
-            <a:off x="190500" y="3464205"/>
-            <a:ext cx="5899111" cy="307777"/>
+            <a:off x="182880" y="3474720"/>
+            <a:ext cx="5715000" cy="274320"/>
           </a:xfrm>
           <a:prstGeom prst="rect">
             <a:avLst/>
@@ -6162,8 +6162,8 @@
         </p:nvSpPr>
         <p:spPr>
           <a:xfrm>
-            <a:off x="6180125" y="3464205"/>
-            <a:ext cx="5899111" cy="307777"/>
+            <a:off x="6130954" y="3474720"/>
+            <a:ext cx="5715000" cy="274320"/>
           </a:xfrm>
           <a:prstGeom prst="rect">
             <a:avLst/>
@@ -6274,8 +6274,8 @@
         </p:nvSpPr>
         <p:spPr>
           <a:xfrm>
-            <a:off x="7668986" y="3414324"/>
-            <a:ext cx="4467590" cy="307777"/>
+            <a:off x="6096000" y="3471672"/>
+            <a:ext cx="5715000" cy="274320"/>
           </a:xfrm>
           <a:prstGeom prst="rect">
             <a:avLst/>
@@ -6317,7 +6317,7 @@
         <p:spPr>
           <a:xfrm>
             <a:off x="228599" y="838200"/>
-            <a:ext cx="10477501" cy="307777"/>
+            <a:ext cx="10477501" cy="274320"/>
           </a:xfrm>
           <a:prstGeom prst="rect">
             <a:avLst/>
@@ -7083,8 +7083,8 @@
         </p:nvSpPr>
         <p:spPr>
           <a:xfrm>
-            <a:off x="190500" y="837123"/>
-            <a:ext cx="5449824" cy="274320"/>
+            <a:off x="190499" y="914400"/>
+            <a:ext cx="5715000" cy="274320"/>
           </a:xfrm>
           <a:prstGeom prst="rect">
             <a:avLst/>
@@ -7125,8 +7125,8 @@
         </p:nvSpPr>
         <p:spPr>
           <a:xfrm>
-            <a:off x="6248883" y="838200"/>
-            <a:ext cx="5449824" cy="274320"/>
+            <a:off x="6248883" y="914400"/>
+            <a:ext cx="5715000" cy="274320"/>
           </a:xfrm>
           <a:prstGeom prst="rect">
             <a:avLst/>
@@ -7314,8 +7314,8 @@
         </p:nvSpPr>
         <p:spPr>
           <a:xfrm>
-            <a:off x="190499" y="3414303"/>
-            <a:ext cx="5449824" cy="274320"/>
+            <a:off x="190499" y="3474720"/>
+            <a:ext cx="5715000" cy="274320"/>
           </a:xfrm>
           <a:prstGeom prst="rect">
             <a:avLst/>
@@ -7356,8 +7356,8 @@
         </p:nvSpPr>
         <p:spPr>
           <a:xfrm>
-            <a:off x="6284678" y="3449550"/>
-            <a:ext cx="5449824" cy="274320"/>
+            <a:off x="6248883" y="3474720"/>
+            <a:ext cx="5715000" cy="274320"/>
           </a:xfrm>
           <a:prstGeom prst="rect">
             <a:avLst/>
@@ -8813,7 +8813,7 @@
         <p:spPr>
           <a:xfrm>
             <a:off x="228599" y="838200"/>
-            <a:ext cx="10477501" cy="307777"/>
+            <a:ext cx="10469880" cy="274320"/>
           </a:xfrm>
           <a:prstGeom prst="rect">
             <a:avLst/>
@@ -8966,7 +8966,7 @@
         <p:spPr>
           <a:xfrm>
             <a:off x="228599" y="3500536"/>
-            <a:ext cx="10477501" cy="307777"/>
+            <a:ext cx="10469880" cy="274320"/>
           </a:xfrm>
           <a:prstGeom prst="rect">
             <a:avLst/>
@@ -9067,8 +9067,8 @@
         </p:nvSpPr>
         <p:spPr>
           <a:xfrm>
-            <a:off x="7560527" y="838200"/>
-            <a:ext cx="4450194" cy="307777"/>
+            <a:off x="6128917" y="914400"/>
+            <a:ext cx="5715000" cy="274320"/>
           </a:xfrm>
           <a:prstGeom prst="rect">
             <a:avLst/>
@@ -9109,8 +9109,8 @@
         </p:nvSpPr>
         <p:spPr>
           <a:xfrm>
-            <a:off x="242729" y="850910"/>
-            <a:ext cx="6963614" cy="307777"/>
+            <a:off x="242729" y="914400"/>
+            <a:ext cx="5715000" cy="274320"/>
           </a:xfrm>
           <a:prstGeom prst="rect">
             <a:avLst/>
@@ -9262,8 +9262,8 @@
         </p:nvSpPr>
         <p:spPr>
           <a:xfrm>
-            <a:off x="247114" y="3633466"/>
-            <a:ext cx="11763607" cy="307777"/>
+            <a:off x="242729" y="3480934"/>
+            <a:ext cx="11763607" cy="274320"/>
           </a:xfrm>
           <a:prstGeom prst="rect">
             <a:avLst/>
@@ -9364,8 +9364,8 @@
         </p:nvSpPr>
         <p:spPr>
           <a:xfrm>
-            <a:off x="6184289" y="4158247"/>
-            <a:ext cx="5899111" cy="307777"/>
+            <a:off x="6184289" y="3458252"/>
+            <a:ext cx="5715000" cy="274320"/>
           </a:xfrm>
           <a:prstGeom prst="rect">
             <a:avLst/>
@@ -9517,8 +9517,8 @@
         </p:nvSpPr>
         <p:spPr>
           <a:xfrm>
-            <a:off x="6292889" y="955645"/>
-            <a:ext cx="5899111" cy="307777"/>
+            <a:off x="6292889" y="914400"/>
+            <a:ext cx="5715000" cy="274320"/>
           </a:xfrm>
           <a:prstGeom prst="rect">
             <a:avLst/>
@@ -9559,8 +9559,8 @@
         </p:nvSpPr>
         <p:spPr>
           <a:xfrm>
-            <a:off x="242729" y="945061"/>
-            <a:ext cx="5899111" cy="307777"/>
+            <a:off x="242729" y="914400"/>
+            <a:ext cx="5715000" cy="274320"/>
           </a:xfrm>
           <a:prstGeom prst="rect">
             <a:avLst/>
@@ -9601,8 +9601,8 @@
         </p:nvSpPr>
         <p:spPr>
           <a:xfrm>
-            <a:off x="242729" y="4243678"/>
-            <a:ext cx="5049768" cy="307777"/>
+            <a:off x="242729" y="3458252"/>
+            <a:ext cx="5715000" cy="274320"/>
           </a:xfrm>
           <a:prstGeom prst="rect">
             <a:avLst/>
@@ -9708,8 +9708,8 @@
         </p:nvSpPr>
         <p:spPr>
           <a:xfrm>
-            <a:off x="6128512" y="838200"/>
-            <a:ext cx="5791345" cy="307777"/>
+            <a:off x="6128512" y="914400"/>
+            <a:ext cx="5715000" cy="307777"/>
           </a:xfrm>
           <a:prstGeom prst="rect">
             <a:avLst/>
@@ -9750,8 +9750,8 @@
         </p:nvSpPr>
         <p:spPr>
           <a:xfrm>
-            <a:off x="190500" y="838200"/>
-            <a:ext cx="5644243" cy="307777"/>
+            <a:off x="190499" y="914400"/>
+            <a:ext cx="5715000" cy="307777"/>
           </a:xfrm>
           <a:prstGeom prst="rect">
             <a:avLst/>
@@ -9963,8 +9963,8 @@
         </p:nvSpPr>
         <p:spPr>
           <a:xfrm>
-            <a:off x="310243" y="3587998"/>
-            <a:ext cx="4723454" cy="307777"/>
+            <a:off x="190500" y="3544455"/>
+            <a:ext cx="5715000" cy="274320"/>
           </a:xfrm>
           <a:prstGeom prst="rect">
             <a:avLst/>
@@ -10005,8 +10005,8 @@
         </p:nvSpPr>
         <p:spPr>
           <a:xfrm>
-            <a:off x="6014358" y="3587997"/>
-            <a:ext cx="4723454" cy="307777"/>
+            <a:off x="6286500" y="3544455"/>
+            <a:ext cx="5715000" cy="274320"/>
           </a:xfrm>
           <a:prstGeom prst="rect">
             <a:avLst/>
@@ -10107,8 +10107,8 @@
         </p:nvSpPr>
         <p:spPr>
           <a:xfrm>
-            <a:off x="190500" y="929671"/>
-            <a:ext cx="5742214" cy="307777"/>
+            <a:off x="190500" y="911854"/>
+            <a:ext cx="5905500" cy="307777"/>
           </a:xfrm>
           <a:prstGeom prst="rect">
             <a:avLst/>
@@ -10260,8 +10260,8 @@
         </p:nvSpPr>
         <p:spPr>
           <a:xfrm>
-            <a:off x="6259288" y="929670"/>
-            <a:ext cx="5617026" cy="307777"/>
+            <a:off x="6259288" y="911853"/>
+            <a:ext cx="5905500" cy="307777"/>
           </a:xfrm>
           <a:prstGeom prst="rect">
             <a:avLst/>
@@ -10302,8 +10302,8 @@
         </p:nvSpPr>
         <p:spPr>
           <a:xfrm>
-            <a:off x="190500" y="3429000"/>
-            <a:ext cx="6068788" cy="307777"/>
+            <a:off x="190500" y="3461557"/>
+            <a:ext cx="5905500" cy="523220"/>
           </a:xfrm>
           <a:prstGeom prst="rect">
             <a:avLst/>
@@ -10828,8 +10828,8 @@
         </p:nvSpPr>
         <p:spPr>
           <a:xfrm>
-            <a:off x="6128512" y="838200"/>
-            <a:ext cx="5449824" cy="307777"/>
+            <a:off x="6128512" y="914400"/>
+            <a:ext cx="5715000" cy="274320"/>
           </a:xfrm>
           <a:prstGeom prst="rect">
             <a:avLst/>
@@ -10848,7 +10848,7 @@
           <a:lstStyle/>
           <a:p>
             <a:r>
-              <a:rPr lang="en-US" sz="1400" b="1">
+              <a:rPr lang="en-US" sz="1400" b="1" dirty="0">
                 <a:latin typeface="Calibri Light" panose="020F0302020204030204" pitchFamily="34" charset="0"/>
               </a:rPr>
               <a:t>Electricity Consumption 2024-25 by Sector</a:t>
@@ -10870,8 +10870,8 @@
         </p:nvSpPr>
         <p:spPr>
           <a:xfrm>
-            <a:off x="190500" y="838200"/>
-            <a:ext cx="5449824" cy="307777"/>
+            <a:off x="190500" y="914400"/>
+            <a:ext cx="5715000" cy="274320"/>
           </a:xfrm>
           <a:prstGeom prst="rect">
             <a:avLst/>
@@ -11023,8 +11023,8 @@
         </p:nvSpPr>
         <p:spPr>
           <a:xfrm>
-            <a:off x="6128512" y="3464205"/>
-            <a:ext cx="5449824" cy="307777"/>
+            <a:off x="6128512" y="3429000"/>
+            <a:ext cx="5715000" cy="274320"/>
           </a:xfrm>
           <a:prstGeom prst="rect">
             <a:avLst/>
@@ -11125,8 +11125,8 @@
         </p:nvSpPr>
         <p:spPr>
           <a:xfrm>
-            <a:off x="6128513" y="838200"/>
-            <a:ext cx="5814370" cy="307777"/>
+            <a:off x="6182941" y="914400"/>
+            <a:ext cx="5715000" cy="274320"/>
           </a:xfrm>
           <a:prstGeom prst="rect">
             <a:avLst/>
@@ -11167,8 +11167,8 @@
         </p:nvSpPr>
         <p:spPr>
           <a:xfrm>
-            <a:off x="190500" y="838200"/>
-            <a:ext cx="5731329" cy="307777"/>
+            <a:off x="190500" y="914400"/>
+            <a:ext cx="5715000" cy="274320"/>
           </a:xfrm>
           <a:prstGeom prst="rect">
             <a:avLst/>
@@ -11320,8 +11320,8 @@
         </p:nvSpPr>
         <p:spPr>
           <a:xfrm>
-            <a:off x="6096000" y="3429000"/>
-            <a:ext cx="5814370" cy="307777"/>
+            <a:off x="6182941" y="3505200"/>
+            <a:ext cx="5715000" cy="274320"/>
           </a:xfrm>
           <a:prstGeom prst="rect">
             <a:avLst/>
@@ -22070,8 +22070,8 @@
         </p:nvSpPr>
         <p:spPr>
           <a:xfrm>
-            <a:off x="6126012" y="876300"/>
-            <a:ext cx="5449824" cy="307777"/>
+            <a:off x="6217920" y="914400"/>
+            <a:ext cx="5715000" cy="274320"/>
           </a:xfrm>
           <a:prstGeom prst="rect">
             <a:avLst/>
@@ -22123,8 +22123,8 @@
         </p:nvSpPr>
         <p:spPr>
           <a:xfrm>
-            <a:off x="243684" y="876300"/>
-            <a:ext cx="5449824" cy="307777"/>
+            <a:off x="182880" y="914400"/>
+            <a:ext cx="5715000" cy="274320"/>
           </a:xfrm>
           <a:prstGeom prst="rect">
             <a:avLst/>
@@ -22165,8 +22165,8 @@
         </p:nvSpPr>
         <p:spPr>
           <a:xfrm>
-            <a:off x="6126012" y="3275111"/>
-            <a:ext cx="5449824" cy="307777"/>
+            <a:off x="6217920" y="3501502"/>
+            <a:ext cx="5715000" cy="274320"/>
           </a:xfrm>
           <a:prstGeom prst="rect">
             <a:avLst/>
@@ -22207,8 +22207,8 @@
         </p:nvSpPr>
         <p:spPr>
           <a:xfrm>
-            <a:off x="243684" y="3275111"/>
-            <a:ext cx="5449824" cy="307777"/>
+            <a:off x="182880" y="3501502"/>
+            <a:ext cx="5715000" cy="274320"/>
           </a:xfrm>
           <a:prstGeom prst="rect">
             <a:avLst/>
@@ -23432,8 +23432,8 @@
         </p:nvSpPr>
         <p:spPr>
           <a:xfrm>
-            <a:off x="6096000" y="913461"/>
-            <a:ext cx="5979103" cy="307777"/>
+            <a:off x="6172198" y="914400"/>
+            <a:ext cx="5715000" cy="320040"/>
           </a:xfrm>
           <a:prstGeom prst="rect">
             <a:avLst/>
@@ -23474,8 +23474,8 @@
         </p:nvSpPr>
         <p:spPr>
           <a:xfrm>
-            <a:off x="286804" y="897941"/>
-            <a:ext cx="5471738" cy="307777"/>
+            <a:off x="274320" y="914400"/>
+            <a:ext cx="5715000" cy="320040"/>
           </a:xfrm>
           <a:prstGeom prst="rect">
             <a:avLst/>
@@ -23516,8 +23516,8 @@
         </p:nvSpPr>
         <p:spPr>
           <a:xfrm>
-            <a:off x="6144315" y="3397811"/>
-            <a:ext cx="5979104" cy="307777"/>
+            <a:off x="6144315" y="3429000"/>
+            <a:ext cx="5715000" cy="320040"/>
           </a:xfrm>
           <a:prstGeom prst="rect">
             <a:avLst/>
@@ -23945,8 +23945,8 @@
         </p:nvSpPr>
         <p:spPr>
           <a:xfrm>
-            <a:off x="228599" y="3401924"/>
-            <a:ext cx="5529943" cy="307777"/>
+            <a:off x="182880" y="3429000"/>
+            <a:ext cx="5715000" cy="320040"/>
           </a:xfrm>
           <a:prstGeom prst="rect">
             <a:avLst/>
@@ -24166,8 +24166,8 @@
         </p:nvSpPr>
         <p:spPr>
           <a:xfrm>
-            <a:off x="6255834" y="918441"/>
-            <a:ext cx="5776149" cy="307777"/>
+            <a:off x="6096001" y="914400"/>
+            <a:ext cx="5715000" cy="274320"/>
           </a:xfrm>
           <a:prstGeom prst="rect">
             <a:avLst/>
@@ -24208,8 +24208,8 @@
         </p:nvSpPr>
         <p:spPr>
           <a:xfrm>
-            <a:off x="6255833" y="3476694"/>
-            <a:ext cx="5776150" cy="307777"/>
+            <a:off x="6080760" y="3429000"/>
+            <a:ext cx="5715000" cy="274320"/>
           </a:xfrm>
           <a:prstGeom prst="rect">
             <a:avLst/>
@@ -24257,8 +24257,8 @@
         </p:nvSpPr>
         <p:spPr>
           <a:xfrm>
-            <a:off x="243684" y="908339"/>
-            <a:ext cx="5209262" cy="307777"/>
+            <a:off x="274320" y="914400"/>
+            <a:ext cx="5715000" cy="274320"/>
           </a:xfrm>
           <a:prstGeom prst="rect">
             <a:avLst/>
@@ -24474,8 +24474,8 @@
         </p:nvSpPr>
         <p:spPr>
           <a:xfrm>
-            <a:off x="254481" y="887939"/>
-            <a:ext cx="5841519" cy="307777"/>
+            <a:off x="221451" y="914400"/>
+            <a:ext cx="5715000" cy="274320"/>
           </a:xfrm>
           <a:prstGeom prst="rect">
             <a:avLst/>
@@ -24494,19 +24494,19 @@
           <a:lstStyle/>
           <a:p>
             <a:r>
-              <a:rPr lang="en-US" sz="1400" b="1">
+              <a:rPr lang="en-US" sz="1400" b="1" dirty="0">
                 <a:latin typeface="Calibri Light" panose="020F0302020204030204" pitchFamily="34" charset="0"/>
               </a:rPr>
               <a:t>Power Generation (</a:t>
             </a:r>
             <a:r>
-              <a:rPr lang="en-US" sz="1400" b="1" err="1">
+              <a:rPr lang="en-US" sz="1400" b="1" dirty="0" err="1">
                 <a:latin typeface="Calibri Light" panose="020F0302020204030204" pitchFamily="34" charset="0"/>
               </a:rPr>
               <a:t>Twh</a:t>
             </a:r>
             <a:r>
-              <a:rPr lang="en-US" sz="1400" b="1">
+              <a:rPr lang="en-US" sz="1400" b="1" dirty="0">
                 <a:latin typeface="Calibri Light" panose="020F0302020204030204" pitchFamily="34" charset="0"/>
               </a:rPr>
               <a:t>) For Major Countries </a:t>
@@ -24915,8 +24915,8 @@
         </p:nvSpPr>
         <p:spPr>
           <a:xfrm>
-            <a:off x="6432472" y="887939"/>
-            <a:ext cx="5153244" cy="307777"/>
+            <a:off x="6080760" y="914400"/>
+            <a:ext cx="5715000" cy="274320"/>
           </a:xfrm>
           <a:prstGeom prst="rect">
             <a:avLst/>
@@ -24957,8 +24957,8 @@
         </p:nvSpPr>
         <p:spPr>
           <a:xfrm>
-            <a:off x="6432472" y="3608168"/>
-            <a:ext cx="5153244" cy="523220"/>
+            <a:off x="6080760" y="3446084"/>
+            <a:ext cx="5715000" cy="274320"/>
           </a:xfrm>
           <a:prstGeom prst="rect">
             <a:avLst/>
@@ -25000,8 +25000,8 @@
         </p:nvSpPr>
         <p:spPr>
           <a:xfrm>
-            <a:off x="221452" y="3636138"/>
-            <a:ext cx="5264947" cy="523220"/>
+            <a:off x="221451" y="3446084"/>
+            <a:ext cx="5715000" cy="274320"/>
           </a:xfrm>
           <a:prstGeom prst="rect">
             <a:avLst/>
@@ -25646,8 +25646,8 @@
         </p:nvSpPr>
         <p:spPr>
           <a:xfrm>
-            <a:off x="6096000" y="879549"/>
-            <a:ext cx="5609768" cy="307777"/>
+            <a:off x="6096000" y="914400"/>
+            <a:ext cx="5715000" cy="274320"/>
           </a:xfrm>
           <a:prstGeom prst="rect">
             <a:avLst/>
@@ -25666,7 +25666,7 @@
           <a:lstStyle/>
           <a:p>
             <a:r>
-              <a:rPr lang="en-US" sz="1400" b="1">
+              <a:rPr lang="en-US" sz="1400" b="1" dirty="0">
                 <a:latin typeface="Calibri Light" panose="020F0302020204030204" pitchFamily="34" charset="0"/>
               </a:rPr>
               <a:t>Consumption By Sector (El)</a:t>
@@ -25676,10 +25676,10 @@
       </p:sp>
       <p:sp>
         <p:nvSpPr>
-          <p:cNvPr id="4" name="TextBox 3">
-            <a:extLst>
-              <a:ext uri="{FF2B5EF4-FFF2-40B4-BE49-F238E27FC236}">
-                <a16:creationId xmlns:a16="http://schemas.microsoft.com/office/drawing/2014/main" id="{29776CF6-E24B-358B-78A5-C55B12A005BA}"/>
+          <p:cNvPr id="10" name="TextBox 9">
+            <a:extLst>
+              <a:ext uri="{FF2B5EF4-FFF2-40B4-BE49-F238E27FC236}">
+                <a16:creationId xmlns:a16="http://schemas.microsoft.com/office/drawing/2014/main" id="{688B421C-824A-7A3A-7CFC-B4FC0FF6C5CF}"/>
               </a:ext>
             </a:extLst>
           </p:cNvPr>
@@ -25688,52 +25688,8 @@
         </p:nvSpPr>
         <p:spPr>
           <a:xfrm>
-            <a:off x="12785272" y="1962150"/>
-            <a:ext cx="6128656" cy="2585323"/>
-          </a:xfrm>
-          <a:prstGeom prst="rect">
-            <a:avLst/>
-          </a:prstGeom>
-          <a:noFill/>
-        </p:spPr>
-        <p:txBody>
-          <a:bodyPr wrap="square">
-            <a:spAutoFit/>
-          </a:bodyPr>
-          <a:lstStyle/>
-          <a:p>
-            <a:r>
-              <a:rPr lang="en-US" sz="1800" dirty="0"/>
-              <a:t>Public utility companies and similar regulatory agencies play a crucial role in overseeing and approving the rates charged by transmission and distribution companies.  They ensure that the rates are fair and reasonable while allowing companies to cover their costs and earn a reasonable return on investment. This keeps revenue steady but prevents major jumps on a year-to-year </a:t>
-            </a:r>
-            <a:r>
-              <a:rPr lang="en-US" sz="1800" dirty="0" err="1"/>
-              <a:t>basis.The</a:t>
-            </a:r>
-            <a:r>
-              <a:rPr lang="en-US" sz="1800" dirty="0"/>
-              <a:t> price of electric power has increased steadily over the past five years despite tremendous pressures during the pandemic</a:t>
-            </a:r>
-            <a:endParaRPr lang="en-US" dirty="0"/>
-          </a:p>
-        </p:txBody>
-      </p:sp>
-      <p:sp>
-        <p:nvSpPr>
-          <p:cNvPr id="10" name="TextBox 9">
-            <a:extLst>
-              <a:ext uri="{FF2B5EF4-FFF2-40B4-BE49-F238E27FC236}">
-                <a16:creationId xmlns:a16="http://schemas.microsoft.com/office/drawing/2014/main" id="{688B421C-824A-7A3A-7CFC-B4FC0FF6C5CF}"/>
-              </a:ext>
-            </a:extLst>
-          </p:cNvPr>
-          <p:cNvSpPr txBox="1"/>
-          <p:nvPr/>
-        </p:nvSpPr>
-        <p:spPr>
-          <a:xfrm>
-            <a:off x="190500" y="879549"/>
-            <a:ext cx="5609768" cy="307777"/>
+            <a:off x="190500" y="914400"/>
+            <a:ext cx="5715000" cy="274320"/>
           </a:xfrm>
           <a:prstGeom prst="rect">
             <a:avLst/>
@@ -26625,6 +26581,15 @@
 </file>
 
 <file path=customXml/item1.xml><?xml version="1.0" encoding="utf-8"?>
+<?mso-contentType ?>
+<FormTemplates xmlns="http://schemas.microsoft.com/sharepoint/v3/contenttype/forms">
+  <Display>DocumentLibraryForm</Display>
+  <Edit>DocumentLibraryForm</Edit>
+  <New>DocumentLibraryForm</New>
+</FormTemplates>
+</file>
+
+<file path=customXml/item2.xml><?xml version="1.0" encoding="utf-8"?>
 <ct:contentTypeSchema xmlns:ct="http://schemas.microsoft.com/office/2006/metadata/contentType" xmlns:ma="http://schemas.microsoft.com/office/2006/metadata/properties/metaAttributes" ct:_="" ma:_="" ma:contentTypeName="Document" ma:contentTypeID="0x010100F2655699F6459A4EAFFC7E640405EEB9" ma:contentTypeVersion="12" ma:contentTypeDescription="Create a new document." ma:contentTypeScope="" ma:versionID="af733a2f00bd59c47898ea03e5f2542b">
   <xsd:schema xmlns:xsd="http://www.w3.org/2001/XMLSchema" xmlns:xs="http://www.w3.org/2001/XMLSchema" xmlns:p="http://schemas.microsoft.com/office/2006/metadata/properties" xmlns:ns2="0f328885-6d05-4e40-aa1c-ac4e6b857ddd" xmlns:ns3="7f40ca84-5e1d-4009-b38b-c20f391af827" targetNamespace="http://schemas.microsoft.com/office/2006/metadata/properties" ma:root="true" ma:fieldsID="f6429559ac1b2725a86157eac2486538" ns2:_="" ns3:_="">
     <xsd:import namespace="0f328885-6d05-4e40-aa1c-ac4e6b857ddd"/>
@@ -26825,7 +26790,7 @@
 </ct:contentTypeSchema>
 </file>
 
-<file path=customXml/item2.xml><?xml version="1.0" encoding="utf-8"?>
+<file path=customXml/item3.xml><?xml version="1.0" encoding="utf-8"?>
 <p:properties xmlns:p="http://schemas.microsoft.com/office/2006/metadata/properties" xmlns:xsi="http://www.w3.org/2001/XMLSchema-instance" xmlns:pc="http://schemas.microsoft.com/office/infopath/2007/PartnerControls">
   <documentManagement>
     <lcf76f155ced4ddcb4097134ff3c332f xmlns="0f328885-6d05-4e40-aa1c-ac4e6b857ddd">
@@ -26836,16 +26801,15 @@
 </p:properties>
 </file>
 
-<file path=customXml/item3.xml><?xml version="1.0" encoding="utf-8"?>
-<?mso-contentType ?>
-<FormTemplates xmlns="http://schemas.microsoft.com/sharepoint/v3/contenttype/forms">
-  <Display>DocumentLibraryForm</Display>
-  <Edit>DocumentLibraryForm</Edit>
-  <New>DocumentLibraryForm</New>
-</FormTemplates>
+<file path=customXml/itemProps1.xml><?xml version="1.0" encoding="utf-8"?>
+<ds:datastoreItem xmlns:ds="http://schemas.openxmlformats.org/officeDocument/2006/customXml" ds:itemID="{DE410141-2EDB-4683-B5E0-8BAAA7AC1B2E}">
+  <ds:schemaRefs>
+    <ds:schemaRef ds:uri="http://schemas.microsoft.com/sharepoint/v3/contenttype/forms"/>
+  </ds:schemaRefs>
+</ds:datastoreItem>
 </file>
 
-<file path=customXml/itemProps1.xml><?xml version="1.0" encoding="utf-8"?>
+<file path=customXml/itemProps2.xml><?xml version="1.0" encoding="utf-8"?>
 <ds:datastoreItem xmlns:ds="http://schemas.openxmlformats.org/officeDocument/2006/customXml" ds:itemID="{EB83BC70-2E9E-41F0-8521-93E3B3AD045A}">
   <ds:schemaRefs>
     <ds:schemaRef ds:uri="http://schemas.microsoft.com/office/2006/metadata/contentType"/>
@@ -26864,7 +26828,7 @@
 </ds:datastoreItem>
 </file>
 
-<file path=customXml/itemProps2.xml><?xml version="1.0" encoding="utf-8"?>
+<file path=customXml/itemProps3.xml><?xml version="1.0" encoding="utf-8"?>
 <ds:datastoreItem xmlns:ds="http://schemas.openxmlformats.org/officeDocument/2006/customXml" ds:itemID="{ED01DA1E-1B99-40F8-9ECE-58C3C76EA29A}">
   <ds:schemaRefs>
     <ds:schemaRef ds:uri="http://schemas.microsoft.com/office/2006/metadata/properties"/>
@@ -26873,12 +26837,4 @@
     <ds:schemaRef ds:uri="7f40ca84-5e1d-4009-b38b-c20f391af827"/>
   </ds:schemaRefs>
 </ds:datastoreItem>
-</file>
-
-<file path=customXml/itemProps3.xml><?xml version="1.0" encoding="utf-8"?>
-<ds:datastoreItem xmlns:ds="http://schemas.openxmlformats.org/officeDocument/2006/customXml" ds:itemID="{DE410141-2EDB-4683-B5E0-8BAAA7AC1B2E}">
-  <ds:schemaRefs>
-    <ds:schemaRef ds:uri="http://schemas.microsoft.com/sharepoint/v3/contenttype/forms"/>
-  </ds:schemaRefs>
-</ds:datastoreItem>
 </file>